--- a/lab8/пажилая_лаба8.pptx
+++ b/lab8/пажилая_лаба8.pptx
@@ -9,7 +9,6 @@
     <p:sldId id="257" r:id="rId3"/>
     <p:sldId id="258" r:id="rId4"/>
     <p:sldId id="259" r:id="rId5"/>
-    <p:sldId id="260" r:id="rId6"/>
   </p:sldIdLst>
   <p:sldSz cx="12192000" cy="6858000"/>
   <p:notesSz cx="6858000" cy="9144000"/>
@@ -166,7 +165,7 @@
           <a:noFill/>
           <a:extLst>
             <a:ext uri="{909E8E84-426E-40dd-AFC4-6F175D3DCCD1}">
-              <a14:hiddenFill xmlns="" xmlns:a14="http://schemas.microsoft.com/office/drawing/2010/main">
+              <a14:hiddenFill xmlns:a14="http://schemas.microsoft.com/office/drawing/2010/main" xmlns="">
                 <a:solidFill>
                   <a:srgbClr val="FFFFFF"/>
                 </a:solidFill>
@@ -226,7 +225,7 @@
             </a:ln>
             <a:extLst>
               <a:ext uri="{91240B29-F687-4f45-9708-019B960494DF}">
-                <a14:hiddenLine xmlns="" xmlns:a14="http://schemas.microsoft.com/office/drawing/2010/main" w="9525">
+                <a14:hiddenLine xmlns:a14="http://schemas.microsoft.com/office/drawing/2010/main" xmlns="" w="9525">
                   <a:solidFill>
                     <a:srgbClr val="000000"/>
                   </a:solidFill>
@@ -316,7 +315,7 @@
             </a:ln>
             <a:extLst>
               <a:ext uri="{91240B29-F687-4f45-9708-019B960494DF}">
-                <a14:hiddenLine xmlns="" xmlns:a14="http://schemas.microsoft.com/office/drawing/2010/main" w="9525">
+                <a14:hiddenLine xmlns:a14="http://schemas.microsoft.com/office/drawing/2010/main" xmlns="" w="9525">
                   <a:solidFill>
                     <a:srgbClr val="000000"/>
                   </a:solidFill>
@@ -406,7 +405,7 @@
             </a:ln>
             <a:extLst>
               <a:ext uri="{91240B29-F687-4f45-9708-019B960494DF}">
-                <a14:hiddenLine xmlns="" xmlns:a14="http://schemas.microsoft.com/office/drawing/2010/main" w="9525">
+                <a14:hiddenLine xmlns:a14="http://schemas.microsoft.com/office/drawing/2010/main" xmlns="" w="9525">
                   <a:solidFill>
                     <a:srgbClr val="000000"/>
                   </a:solidFill>
@@ -440,7 +439,7 @@
             </a:ln>
             <a:extLst>
               <a:ext uri="{91240B29-F687-4f45-9708-019B960494DF}">
-                <a14:hiddenLine xmlns="" xmlns:a14="http://schemas.microsoft.com/office/drawing/2010/main" w="9525">
+                <a14:hiddenLine xmlns:a14="http://schemas.microsoft.com/office/drawing/2010/main" xmlns="" w="9525">
                   <a:solidFill>
                     <a:srgbClr val="000000"/>
                   </a:solidFill>
@@ -530,7 +529,7 @@
             </a:ln>
             <a:extLst>
               <a:ext uri="{91240B29-F687-4f45-9708-019B960494DF}">
-                <a14:hiddenLine xmlns="" xmlns:a14="http://schemas.microsoft.com/office/drawing/2010/main" w="9525">
+                <a14:hiddenLine xmlns:a14="http://schemas.microsoft.com/office/drawing/2010/main" xmlns="" w="9525">
                   <a:solidFill>
                     <a:srgbClr val="000000"/>
                   </a:solidFill>
@@ -592,7 +591,7 @@
             </a:ln>
             <a:extLst>
               <a:ext uri="{91240B29-F687-4f45-9708-019B960494DF}">
-                <a14:hiddenLine xmlns="" xmlns:a14="http://schemas.microsoft.com/office/drawing/2010/main" w="9525">
+                <a14:hiddenLine xmlns:a14="http://schemas.microsoft.com/office/drawing/2010/main" xmlns="" w="9525">
                   <a:solidFill>
                     <a:srgbClr val="000000"/>
                   </a:solidFill>
@@ -654,7 +653,7 @@
             </a:ln>
             <a:extLst>
               <a:ext uri="{91240B29-F687-4f45-9708-019B960494DF}">
-                <a14:hiddenLine xmlns="" xmlns:a14="http://schemas.microsoft.com/office/drawing/2010/main" w="9525">
+                <a14:hiddenLine xmlns:a14="http://schemas.microsoft.com/office/drawing/2010/main" xmlns="" w="9525">
                   <a:solidFill>
                     <a:srgbClr val="000000"/>
                   </a:solidFill>
@@ -744,7 +743,7 @@
             </a:ln>
             <a:extLst>
               <a:ext uri="{91240B29-F687-4f45-9708-019B960494DF}">
-                <a14:hiddenLine xmlns="" xmlns:a14="http://schemas.microsoft.com/office/drawing/2010/main" w="9525">
+                <a14:hiddenLine xmlns:a14="http://schemas.microsoft.com/office/drawing/2010/main" xmlns="" w="9525">
                   <a:solidFill>
                     <a:srgbClr val="000000"/>
                   </a:solidFill>
@@ -806,7 +805,7 @@
             </a:ln>
             <a:extLst>
               <a:ext uri="{91240B29-F687-4f45-9708-019B960494DF}">
-                <a14:hiddenLine xmlns="" xmlns:a14="http://schemas.microsoft.com/office/drawing/2010/main" w="9525">
+                <a14:hiddenLine xmlns:a14="http://schemas.microsoft.com/office/drawing/2010/main" xmlns="" w="9525">
                   <a:solidFill>
                     <a:srgbClr val="000000"/>
                   </a:solidFill>
@@ -868,7 +867,7 @@
             </a:ln>
             <a:extLst>
               <a:ext uri="{91240B29-F687-4f45-9708-019B960494DF}">
-                <a14:hiddenLine xmlns="" xmlns:a14="http://schemas.microsoft.com/office/drawing/2010/main" w="9525">
+                <a14:hiddenLine xmlns:a14="http://schemas.microsoft.com/office/drawing/2010/main" xmlns="" w="9525">
                   <a:solidFill>
                     <a:srgbClr val="000000"/>
                   </a:solidFill>
@@ -958,7 +957,7 @@
             </a:ln>
             <a:extLst>
               <a:ext uri="{91240B29-F687-4f45-9708-019B960494DF}">
-                <a14:hiddenLine xmlns="" xmlns:a14="http://schemas.microsoft.com/office/drawing/2010/main" w="9525">
+                <a14:hiddenLine xmlns:a14="http://schemas.microsoft.com/office/drawing/2010/main" xmlns="" w="9525">
                   <a:solidFill>
                     <a:srgbClr val="000000"/>
                   </a:solidFill>
@@ -1048,7 +1047,7 @@
             </a:ln>
             <a:extLst>
               <a:ext uri="{91240B29-F687-4f45-9708-019B960494DF}">
-                <a14:hiddenLine xmlns="" xmlns:a14="http://schemas.microsoft.com/office/drawing/2010/main" w="9525">
+                <a14:hiddenLine xmlns:a14="http://schemas.microsoft.com/office/drawing/2010/main" xmlns="" w="9525">
                   <a:solidFill>
                     <a:srgbClr val="000000"/>
                   </a:solidFill>
@@ -1110,7 +1109,7 @@
             </a:ln>
             <a:extLst>
               <a:ext uri="{91240B29-F687-4f45-9708-019B960494DF}">
-                <a14:hiddenLine xmlns="" xmlns:a14="http://schemas.microsoft.com/office/drawing/2010/main" w="9525">
+                <a14:hiddenLine xmlns:a14="http://schemas.microsoft.com/office/drawing/2010/main" xmlns="" w="9525">
                   <a:solidFill>
                     <a:srgbClr val="000000"/>
                   </a:solidFill>
@@ -1220,7 +1219,7 @@
             </a:ln>
             <a:extLst>
               <a:ext uri="{91240B29-F687-4f45-9708-019B960494DF}">
-                <a14:hiddenLine xmlns="" xmlns:a14="http://schemas.microsoft.com/office/drawing/2010/main" w="9525">
+                <a14:hiddenLine xmlns:a14="http://schemas.microsoft.com/office/drawing/2010/main" xmlns="" w="9525">
                   <a:solidFill>
                     <a:srgbClr val="000000"/>
                   </a:solidFill>
@@ -1282,7 +1281,7 @@
             </a:ln>
             <a:extLst>
               <a:ext uri="{91240B29-F687-4f45-9708-019B960494DF}">
-                <a14:hiddenLine xmlns="" xmlns:a14="http://schemas.microsoft.com/office/drawing/2010/main" w="9525">
+                <a14:hiddenLine xmlns:a14="http://schemas.microsoft.com/office/drawing/2010/main" xmlns="" w="9525">
                   <a:solidFill>
                     <a:srgbClr val="000000"/>
                   </a:solidFill>
@@ -1372,7 +1371,7 @@
             </a:ln>
             <a:extLst>
               <a:ext uri="{91240B29-F687-4f45-9708-019B960494DF}">
-                <a14:hiddenLine xmlns="" xmlns:a14="http://schemas.microsoft.com/office/drawing/2010/main" w="9525">
+                <a14:hiddenLine xmlns:a14="http://schemas.microsoft.com/office/drawing/2010/main" xmlns="" w="9525">
                   <a:solidFill>
                     <a:srgbClr val="000000"/>
                   </a:solidFill>
@@ -1462,7 +1461,7 @@
             </a:ln>
             <a:extLst>
               <a:ext uri="{91240B29-F687-4f45-9708-019B960494DF}">
-                <a14:hiddenLine xmlns="" xmlns:a14="http://schemas.microsoft.com/office/drawing/2010/main" w="9525">
+                <a14:hiddenLine xmlns:a14="http://schemas.microsoft.com/office/drawing/2010/main" xmlns="" w="9525">
                   <a:solidFill>
                     <a:srgbClr val="000000"/>
                   </a:solidFill>
@@ -1524,7 +1523,7 @@
             </a:ln>
             <a:extLst>
               <a:ext uri="{91240B29-F687-4f45-9708-019B960494DF}">
-                <a14:hiddenLine xmlns="" xmlns:a14="http://schemas.microsoft.com/office/drawing/2010/main" w="9525">
+                <a14:hiddenLine xmlns:a14="http://schemas.microsoft.com/office/drawing/2010/main" xmlns="" w="9525">
                   <a:solidFill>
                     <a:srgbClr val="000000"/>
                   </a:solidFill>
@@ -1614,7 +1613,7 @@
             </a:ln>
             <a:extLst>
               <a:ext uri="{91240B29-F687-4f45-9708-019B960494DF}">
-                <a14:hiddenLine xmlns="" xmlns:a14="http://schemas.microsoft.com/office/drawing/2010/main" w="9525">
+                <a14:hiddenLine xmlns:a14="http://schemas.microsoft.com/office/drawing/2010/main" xmlns="" w="9525">
                   <a:solidFill>
                     <a:srgbClr val="000000"/>
                   </a:solidFill>
@@ -1704,7 +1703,7 @@
             </a:ln>
             <a:extLst>
               <a:ext uri="{91240B29-F687-4f45-9708-019B960494DF}">
-                <a14:hiddenLine xmlns="" xmlns:a14="http://schemas.microsoft.com/office/drawing/2010/main" w="9525">
+                <a14:hiddenLine xmlns:a14="http://schemas.microsoft.com/office/drawing/2010/main" xmlns="" w="9525">
                   <a:solidFill>
                     <a:srgbClr val="000000"/>
                   </a:solidFill>
@@ -1760,7 +1759,7 @@
             </a:ln>
             <a:extLst>
               <a:ext uri="{91240B29-F687-4f45-9708-019B960494DF}">
-                <a14:hiddenLine xmlns="" xmlns:a14="http://schemas.microsoft.com/office/drawing/2010/main" w="9525">
+                <a14:hiddenLine xmlns:a14="http://schemas.microsoft.com/office/drawing/2010/main" xmlns="" w="9525">
                   <a:solidFill>
                     <a:srgbClr val="000000"/>
                   </a:solidFill>
@@ -1850,7 +1849,7 @@
             </a:ln>
             <a:extLst>
               <a:ext uri="{91240B29-F687-4f45-9708-019B960494DF}">
-                <a14:hiddenLine xmlns="" xmlns:a14="http://schemas.microsoft.com/office/drawing/2010/main" w="9525">
+                <a14:hiddenLine xmlns:a14="http://schemas.microsoft.com/office/drawing/2010/main" xmlns="" w="9525">
                   <a:solidFill>
                     <a:srgbClr val="000000"/>
                   </a:solidFill>
@@ -1906,7 +1905,7 @@
             </a:ln>
             <a:extLst>
               <a:ext uri="{91240B29-F687-4f45-9708-019B960494DF}">
-                <a14:hiddenLine xmlns="" xmlns:a14="http://schemas.microsoft.com/office/drawing/2010/main" w="9525">
+                <a14:hiddenLine xmlns:a14="http://schemas.microsoft.com/office/drawing/2010/main" xmlns="" w="9525">
                   <a:solidFill>
                     <a:srgbClr val="000000"/>
                   </a:solidFill>
@@ -1996,7 +1995,7 @@
             </a:ln>
             <a:extLst>
               <a:ext uri="{91240B29-F687-4f45-9708-019B960494DF}">
-                <a14:hiddenLine xmlns="" xmlns:a14="http://schemas.microsoft.com/office/drawing/2010/main" w="9525">
+                <a14:hiddenLine xmlns:a14="http://schemas.microsoft.com/office/drawing/2010/main" xmlns="" w="9525">
                   <a:solidFill>
                     <a:srgbClr val="000000"/>
                   </a:solidFill>
@@ -2064,7 +2063,7 @@
             </a:ln>
             <a:extLst>
               <a:ext uri="{91240B29-F687-4f45-9708-019B960494DF}">
-                <a14:hiddenLine xmlns="" xmlns:a14="http://schemas.microsoft.com/office/drawing/2010/main" w="9525">
+                <a14:hiddenLine xmlns:a14="http://schemas.microsoft.com/office/drawing/2010/main" xmlns="" w="9525">
                   <a:solidFill>
                     <a:srgbClr val="000000"/>
                   </a:solidFill>
@@ -2154,7 +2153,7 @@
             </a:ln>
             <a:extLst>
               <a:ext uri="{91240B29-F687-4f45-9708-019B960494DF}">
-                <a14:hiddenLine xmlns="" xmlns:a14="http://schemas.microsoft.com/office/drawing/2010/main" w="9525">
+                <a14:hiddenLine xmlns:a14="http://schemas.microsoft.com/office/drawing/2010/main" xmlns="" w="9525">
                   <a:solidFill>
                     <a:srgbClr val="000000"/>
                   </a:solidFill>
@@ -2222,7 +2221,7 @@
             </a:ln>
             <a:extLst>
               <a:ext uri="{91240B29-F687-4f45-9708-019B960494DF}">
-                <a14:hiddenLine xmlns="" xmlns:a14="http://schemas.microsoft.com/office/drawing/2010/main" w="9525">
+                <a14:hiddenLine xmlns:a14="http://schemas.microsoft.com/office/drawing/2010/main" xmlns="" w="9525">
                   <a:solidFill>
                     <a:srgbClr val="000000"/>
                   </a:solidFill>
@@ -2312,7 +2311,7 @@
             </a:ln>
             <a:extLst>
               <a:ext uri="{91240B29-F687-4f45-9708-019B960494DF}">
-                <a14:hiddenLine xmlns="" xmlns:a14="http://schemas.microsoft.com/office/drawing/2010/main" w="9525">
+                <a14:hiddenLine xmlns:a14="http://schemas.microsoft.com/office/drawing/2010/main" xmlns="" w="9525">
                   <a:solidFill>
                     <a:srgbClr val="000000"/>
                   </a:solidFill>
@@ -2346,7 +2345,7 @@
             </a:ln>
             <a:extLst>
               <a:ext uri="{91240B29-F687-4f45-9708-019B960494DF}">
-                <a14:hiddenLine xmlns="" xmlns:a14="http://schemas.microsoft.com/office/drawing/2010/main" w="9525">
+                <a14:hiddenLine xmlns:a14="http://schemas.microsoft.com/office/drawing/2010/main" xmlns="" w="9525">
                   <a:solidFill>
                     <a:srgbClr val="000000"/>
                   </a:solidFill>
@@ -2436,7 +2435,7 @@
             </a:ln>
             <a:extLst>
               <a:ext uri="{91240B29-F687-4f45-9708-019B960494DF}">
-                <a14:hiddenLine xmlns="" xmlns:a14="http://schemas.microsoft.com/office/drawing/2010/main" w="9525">
+                <a14:hiddenLine xmlns:a14="http://schemas.microsoft.com/office/drawing/2010/main" xmlns="" w="9525">
                   <a:solidFill>
                     <a:srgbClr val="000000"/>
                   </a:solidFill>
@@ -2498,7 +2497,7 @@
             </a:ln>
             <a:extLst>
               <a:ext uri="{91240B29-F687-4f45-9708-019B960494DF}">
-                <a14:hiddenLine xmlns="" xmlns:a14="http://schemas.microsoft.com/office/drawing/2010/main" w="9525">
+                <a14:hiddenLine xmlns:a14="http://schemas.microsoft.com/office/drawing/2010/main" xmlns="" w="9525">
                   <a:solidFill>
                     <a:srgbClr val="000000"/>
                   </a:solidFill>
@@ -2560,7 +2559,7 @@
             </a:ln>
             <a:extLst>
               <a:ext uri="{91240B29-F687-4f45-9708-019B960494DF}">
-                <a14:hiddenLine xmlns="" xmlns:a14="http://schemas.microsoft.com/office/drawing/2010/main" w="9525">
+                <a14:hiddenLine xmlns:a14="http://schemas.microsoft.com/office/drawing/2010/main" xmlns="" w="9525">
                   <a:solidFill>
                     <a:srgbClr val="000000"/>
                   </a:solidFill>
@@ -2650,7 +2649,7 @@
             </a:ln>
             <a:extLst>
               <a:ext uri="{91240B29-F687-4f45-9708-019B960494DF}">
-                <a14:hiddenLine xmlns="" xmlns:a14="http://schemas.microsoft.com/office/drawing/2010/main" w="9525">
+                <a14:hiddenLine xmlns:a14="http://schemas.microsoft.com/office/drawing/2010/main" xmlns="" w="9525">
                   <a:solidFill>
                     <a:srgbClr val="000000"/>
                   </a:solidFill>
@@ -2718,7 +2717,7 @@
             </a:ln>
             <a:extLst>
               <a:ext uri="{91240B29-F687-4f45-9708-019B960494DF}">
-                <a14:hiddenLine xmlns="" xmlns:a14="http://schemas.microsoft.com/office/drawing/2010/main" w="9525">
+                <a14:hiddenLine xmlns:a14="http://schemas.microsoft.com/office/drawing/2010/main" xmlns="" w="9525">
                   <a:solidFill>
                     <a:srgbClr val="000000"/>
                   </a:solidFill>
@@ -2780,7 +2779,7 @@
             </a:ln>
             <a:extLst>
               <a:ext uri="{91240B29-F687-4f45-9708-019B960494DF}">
-                <a14:hiddenLine xmlns="" xmlns:a14="http://schemas.microsoft.com/office/drawing/2010/main" w="9525">
+                <a14:hiddenLine xmlns:a14="http://schemas.microsoft.com/office/drawing/2010/main" xmlns="" w="9525">
                   <a:solidFill>
                     <a:srgbClr val="000000"/>
                   </a:solidFill>
@@ -2870,7 +2869,7 @@
             </a:ln>
             <a:extLst>
               <a:ext uri="{91240B29-F687-4f45-9708-019B960494DF}">
-                <a14:hiddenLine xmlns="" xmlns:a14="http://schemas.microsoft.com/office/drawing/2010/main" w="9525">
+                <a14:hiddenLine xmlns:a14="http://schemas.microsoft.com/office/drawing/2010/main" xmlns="" w="9525">
                   <a:solidFill>
                     <a:srgbClr val="000000"/>
                   </a:solidFill>
@@ -2932,7 +2931,7 @@
             </a:ln>
             <a:extLst>
               <a:ext uri="{91240B29-F687-4f45-9708-019B960494DF}">
-                <a14:hiddenLine xmlns="" xmlns:a14="http://schemas.microsoft.com/office/drawing/2010/main" w="9525">
+                <a14:hiddenLine xmlns:a14="http://schemas.microsoft.com/office/drawing/2010/main" xmlns="" w="9525">
                   <a:solidFill>
                     <a:srgbClr val="000000"/>
                   </a:solidFill>
@@ -3022,7 +3021,7 @@
             </a:ln>
             <a:extLst>
               <a:ext uri="{91240B29-F687-4f45-9708-019B960494DF}">
-                <a14:hiddenLine xmlns="" xmlns:a14="http://schemas.microsoft.com/office/drawing/2010/main" w="9525">
+                <a14:hiddenLine xmlns:a14="http://schemas.microsoft.com/office/drawing/2010/main" xmlns="" w="9525">
                   <a:solidFill>
                     <a:srgbClr val="000000"/>
                   </a:solidFill>
@@ -3084,7 +3083,7 @@
             </a:ln>
             <a:extLst>
               <a:ext uri="{91240B29-F687-4f45-9708-019B960494DF}">
-                <a14:hiddenLine xmlns="" xmlns:a14="http://schemas.microsoft.com/office/drawing/2010/main" w="9525">
+                <a14:hiddenLine xmlns:a14="http://schemas.microsoft.com/office/drawing/2010/main" xmlns="" w="9525">
                   <a:solidFill>
                     <a:srgbClr val="000000"/>
                   </a:solidFill>
@@ -3174,7 +3173,7 @@
             </a:ln>
             <a:extLst>
               <a:ext uri="{91240B29-F687-4f45-9708-019B960494DF}">
-                <a14:hiddenLine xmlns="" xmlns:a14="http://schemas.microsoft.com/office/drawing/2010/main" w="9525">
+                <a14:hiddenLine xmlns:a14="http://schemas.microsoft.com/office/drawing/2010/main" xmlns="" w="9525">
                   <a:solidFill>
                     <a:srgbClr val="000000"/>
                   </a:solidFill>
@@ -3208,7 +3207,7 @@
             </a:ln>
             <a:extLst>
               <a:ext uri="{91240B29-F687-4f45-9708-019B960494DF}">
-                <a14:hiddenLine xmlns="" xmlns:a14="http://schemas.microsoft.com/office/drawing/2010/main" w="9525">
+                <a14:hiddenLine xmlns:a14="http://schemas.microsoft.com/office/drawing/2010/main" xmlns="" w="9525">
                   <a:solidFill>
                     <a:srgbClr val="000000"/>
                   </a:solidFill>
@@ -3273,7 +3272,7 @@
             </a:ln>
             <a:extLst>
               <a:ext uri="{91240B29-F687-4f45-9708-019B960494DF}">
-                <a14:hiddenLine xmlns="" xmlns:a14="http://schemas.microsoft.com/office/drawing/2010/main" w="9525">
+                <a14:hiddenLine xmlns:a14="http://schemas.microsoft.com/office/drawing/2010/main" xmlns="" w="9525">
                   <a:solidFill>
                     <a:srgbClr val="000000"/>
                   </a:solidFill>
@@ -3363,7 +3362,7 @@
             </a:ln>
             <a:extLst>
               <a:ext uri="{91240B29-F687-4f45-9708-019B960494DF}">
-                <a14:hiddenLine xmlns="" xmlns:a14="http://schemas.microsoft.com/office/drawing/2010/main" w="9525">
+                <a14:hiddenLine xmlns:a14="http://schemas.microsoft.com/office/drawing/2010/main" xmlns="" w="9525">
                   <a:solidFill>
                     <a:srgbClr val="000000"/>
                   </a:solidFill>
@@ -3425,7 +3424,7 @@
             </a:ln>
             <a:extLst>
               <a:ext uri="{91240B29-F687-4f45-9708-019B960494DF}">
-                <a14:hiddenLine xmlns="" xmlns:a14="http://schemas.microsoft.com/office/drawing/2010/main" w="9525">
+                <a14:hiddenLine xmlns:a14="http://schemas.microsoft.com/office/drawing/2010/main" xmlns="" w="9525">
                   <a:solidFill>
                     <a:srgbClr val="000000"/>
                   </a:solidFill>
@@ -3515,7 +3514,7 @@
             </a:ln>
             <a:extLst>
               <a:ext uri="{91240B29-F687-4f45-9708-019B960494DF}">
-                <a14:hiddenLine xmlns="" xmlns:a14="http://schemas.microsoft.com/office/drawing/2010/main" w="9525">
+                <a14:hiddenLine xmlns:a14="http://schemas.microsoft.com/office/drawing/2010/main" xmlns="" w="9525">
                   <a:solidFill>
                     <a:srgbClr val="000000"/>
                   </a:solidFill>
@@ -3605,7 +3604,7 @@
             </a:ln>
             <a:extLst>
               <a:ext uri="{91240B29-F687-4f45-9708-019B960494DF}">
-                <a14:hiddenLine xmlns="" xmlns:a14="http://schemas.microsoft.com/office/drawing/2010/main" w="9525">
+                <a14:hiddenLine xmlns:a14="http://schemas.microsoft.com/office/drawing/2010/main" xmlns="" w="9525">
                   <a:solidFill>
                     <a:srgbClr val="000000"/>
                   </a:solidFill>
@@ -3670,7 +3669,7 @@
             </a:ln>
             <a:extLst>
               <a:ext uri="{91240B29-F687-4f45-9708-019B960494DF}">
-                <a14:hiddenLine xmlns="" xmlns:a14="http://schemas.microsoft.com/office/drawing/2010/main" w="9525">
+                <a14:hiddenLine xmlns:a14="http://schemas.microsoft.com/office/drawing/2010/main" xmlns="" w="9525">
                   <a:solidFill>
                     <a:srgbClr val="000000"/>
                   </a:solidFill>
@@ -3732,7 +3731,7 @@
             </a:ln>
             <a:extLst>
               <a:ext uri="{91240B29-F687-4f45-9708-019B960494DF}">
-                <a14:hiddenLine xmlns="" xmlns:a14="http://schemas.microsoft.com/office/drawing/2010/main" w="9525">
+                <a14:hiddenLine xmlns:a14="http://schemas.microsoft.com/office/drawing/2010/main" xmlns="" w="9525">
                   <a:solidFill>
                     <a:srgbClr val="000000"/>
                   </a:solidFill>
@@ -3822,7 +3821,7 @@
             </a:ln>
             <a:extLst>
               <a:ext uri="{91240B29-F687-4f45-9708-019B960494DF}">
-                <a14:hiddenLine xmlns="" xmlns:a14="http://schemas.microsoft.com/office/drawing/2010/main" w="9525">
+                <a14:hiddenLine xmlns:a14="http://schemas.microsoft.com/office/drawing/2010/main" xmlns="" w="9525">
                   <a:solidFill>
                     <a:srgbClr val="000000"/>
                   </a:solidFill>
@@ -3912,7 +3911,7 @@
             </a:ln>
             <a:extLst>
               <a:ext uri="{91240B29-F687-4f45-9708-019B960494DF}">
-                <a14:hiddenLine xmlns="" xmlns:a14="http://schemas.microsoft.com/office/drawing/2010/main" w="9525">
+                <a14:hiddenLine xmlns:a14="http://schemas.microsoft.com/office/drawing/2010/main" xmlns="" w="9525">
                   <a:solidFill>
                     <a:srgbClr val="000000"/>
                   </a:solidFill>
@@ -3974,7 +3973,7 @@
             </a:ln>
             <a:extLst>
               <a:ext uri="{91240B29-F687-4f45-9708-019B960494DF}">
-                <a14:hiddenLine xmlns="" xmlns:a14="http://schemas.microsoft.com/office/drawing/2010/main" w="9525">
+                <a14:hiddenLine xmlns:a14="http://schemas.microsoft.com/office/drawing/2010/main" xmlns="" w="9525">
                   <a:solidFill>
                     <a:srgbClr val="000000"/>
                   </a:solidFill>
@@ -4094,7 +4093,7 @@
             </a:ln>
             <a:extLst>
               <a:ext uri="{91240B29-F687-4f45-9708-019B960494DF}">
-                <a14:hiddenLine xmlns="" xmlns:a14="http://schemas.microsoft.com/office/drawing/2010/main" w="9525">
+                <a14:hiddenLine xmlns:a14="http://schemas.microsoft.com/office/drawing/2010/main" xmlns="" w="9525">
                   <a:solidFill>
                     <a:srgbClr val="000000"/>
                   </a:solidFill>
@@ -4162,7 +4161,7 @@
             </a:ln>
             <a:extLst>
               <a:ext uri="{91240B29-F687-4f45-9708-019B960494DF}">
-                <a14:hiddenLine xmlns="" xmlns:a14="http://schemas.microsoft.com/office/drawing/2010/main" w="9525">
+                <a14:hiddenLine xmlns:a14="http://schemas.microsoft.com/office/drawing/2010/main" xmlns="" w="9525">
                   <a:solidFill>
                     <a:srgbClr val="000000"/>
                   </a:solidFill>
@@ -4252,7 +4251,7 @@
             </a:ln>
             <a:extLst>
               <a:ext uri="{91240B29-F687-4f45-9708-019B960494DF}">
-                <a14:hiddenLine xmlns="" xmlns:a14="http://schemas.microsoft.com/office/drawing/2010/main" w="9525">
+                <a14:hiddenLine xmlns:a14="http://schemas.microsoft.com/office/drawing/2010/main" xmlns="" w="9525">
                   <a:solidFill>
                     <a:srgbClr val="000000"/>
                   </a:solidFill>
@@ -4392,7 +4391,7 @@
           <a:p>
             <a:fld id="{DCF77135-D09A-4C0F-B580-543073810E9D}" type="datetimeFigureOut">
               <a:rPr lang="ru-RU" smtClean="0"/>
-              <a:t>07.12.2021</a:t>
+              <a:t>08.12.2021</a:t>
             </a:fld>
             <a:endParaRPr lang="ru-RU"/>
           </a:p>
@@ -4659,7 +4658,7 @@
           <a:p>
             <a:fld id="{DCF77135-D09A-4C0F-B580-543073810E9D}" type="datetimeFigureOut">
               <a:rPr lang="ru-RU" smtClean="0"/>
-              <a:t>07.12.2021</a:t>
+              <a:t>08.12.2021</a:t>
             </a:fld>
             <a:endParaRPr lang="ru-RU"/>
           </a:p>
@@ -4855,7 +4854,7 @@
           <a:p>
             <a:fld id="{DCF77135-D09A-4C0F-B580-543073810E9D}" type="datetimeFigureOut">
               <a:rPr lang="ru-RU" smtClean="0"/>
-              <a:t>07.12.2021</a:t>
+              <a:t>08.12.2021</a:t>
             </a:fld>
             <a:endParaRPr lang="ru-RU"/>
           </a:p>
@@ -5118,7 +5117,7 @@
           <a:p>
             <a:fld id="{DCF77135-D09A-4C0F-B580-543073810E9D}" type="datetimeFigureOut">
               <a:rPr lang="ru-RU" smtClean="0"/>
-              <a:t>07.12.2021</a:t>
+              <a:t>08.12.2021</a:t>
             </a:fld>
             <a:endParaRPr lang="ru-RU"/>
           </a:p>
@@ -5552,7 +5551,7 @@
           <a:p>
             <a:fld id="{DCF77135-D09A-4C0F-B580-543073810E9D}" type="datetimeFigureOut">
               <a:rPr lang="ru-RU" smtClean="0"/>
-              <a:t>07.12.2021</a:t>
+              <a:t>08.12.2021</a:t>
             </a:fld>
             <a:endParaRPr lang="ru-RU"/>
           </a:p>
@@ -6098,7 +6097,7 @@
           <a:p>
             <a:fld id="{DCF77135-D09A-4C0F-B580-543073810E9D}" type="datetimeFigureOut">
               <a:rPr lang="ru-RU" smtClean="0"/>
-              <a:t>07.12.2021</a:t>
+              <a:t>08.12.2021</a:t>
             </a:fld>
             <a:endParaRPr lang="ru-RU"/>
           </a:p>
@@ -6818,7 +6817,7 @@
           <a:p>
             <a:fld id="{DCF77135-D09A-4C0F-B580-543073810E9D}" type="datetimeFigureOut">
               <a:rPr lang="ru-RU" smtClean="0"/>
-              <a:t>07.12.2021</a:t>
+              <a:t>08.12.2021</a:t>
             </a:fld>
             <a:endParaRPr lang="ru-RU"/>
           </a:p>
@@ -6988,7 +6987,7 @@
           <a:p>
             <a:fld id="{DCF77135-D09A-4C0F-B580-543073810E9D}" type="datetimeFigureOut">
               <a:rPr lang="ru-RU" smtClean="0"/>
-              <a:t>07.12.2021</a:t>
+              <a:t>08.12.2021</a:t>
             </a:fld>
             <a:endParaRPr lang="ru-RU"/>
           </a:p>
@@ -7168,7 +7167,7 @@
           <a:p>
             <a:fld id="{DCF77135-D09A-4C0F-B580-543073810E9D}" type="datetimeFigureOut">
               <a:rPr lang="ru-RU" smtClean="0"/>
-              <a:t>07.12.2021</a:t>
+              <a:t>08.12.2021</a:t>
             </a:fld>
             <a:endParaRPr lang="ru-RU"/>
           </a:p>
@@ -7338,7 +7337,7 @@
           <a:p>
             <a:fld id="{DCF77135-D09A-4C0F-B580-543073810E9D}" type="datetimeFigureOut">
               <a:rPr lang="ru-RU" smtClean="0"/>
-              <a:t>07.12.2021</a:t>
+              <a:t>08.12.2021</a:t>
             </a:fld>
             <a:endParaRPr lang="ru-RU"/>
           </a:p>
@@ -7588,7 +7587,7 @@
           <a:p>
             <a:fld id="{DCF77135-D09A-4C0F-B580-543073810E9D}" type="datetimeFigureOut">
               <a:rPr lang="ru-RU" smtClean="0"/>
-              <a:t>07.12.2021</a:t>
+              <a:t>08.12.2021</a:t>
             </a:fld>
             <a:endParaRPr lang="ru-RU"/>
           </a:p>
@@ -7820,7 +7819,7 @@
           <a:p>
             <a:fld id="{DCF77135-D09A-4C0F-B580-543073810E9D}" type="datetimeFigureOut">
               <a:rPr lang="ru-RU" smtClean="0"/>
-              <a:t>07.12.2021</a:t>
+              <a:t>08.12.2021</a:t>
             </a:fld>
             <a:endParaRPr lang="ru-RU"/>
           </a:p>
@@ -8201,7 +8200,7 @@
           <a:p>
             <a:fld id="{DCF77135-D09A-4C0F-B580-543073810E9D}" type="datetimeFigureOut">
               <a:rPr lang="ru-RU" smtClean="0"/>
-              <a:t>07.12.2021</a:t>
+              <a:t>08.12.2021</a:t>
             </a:fld>
             <a:endParaRPr lang="ru-RU"/>
           </a:p>
@@ -8319,7 +8318,7 @@
           <a:p>
             <a:fld id="{DCF77135-D09A-4C0F-B580-543073810E9D}" type="datetimeFigureOut">
               <a:rPr lang="ru-RU" smtClean="0"/>
-              <a:t>07.12.2021</a:t>
+              <a:t>08.12.2021</a:t>
             </a:fld>
             <a:endParaRPr lang="ru-RU"/>
           </a:p>
@@ -8414,7 +8413,7 @@
           <a:p>
             <a:fld id="{DCF77135-D09A-4C0F-B580-543073810E9D}" type="datetimeFigureOut">
               <a:rPr lang="ru-RU" smtClean="0"/>
-              <a:t>07.12.2021</a:t>
+              <a:t>08.12.2021</a:t>
             </a:fld>
             <a:endParaRPr lang="ru-RU"/>
           </a:p>
@@ -8663,7 +8662,7 @@
           <a:p>
             <a:fld id="{DCF77135-D09A-4C0F-B580-543073810E9D}" type="datetimeFigureOut">
               <a:rPr lang="ru-RU" smtClean="0"/>
-              <a:t>07.12.2021</a:t>
+              <a:t>08.12.2021</a:t>
             </a:fld>
             <a:endParaRPr lang="ru-RU"/>
           </a:p>
@@ -8943,7 +8942,7 @@
           <a:p>
             <a:fld id="{DCF77135-D09A-4C0F-B580-543073810E9D}" type="datetimeFigureOut">
               <a:rPr lang="ru-RU" smtClean="0"/>
-              <a:t>07.12.2021</a:t>
+              <a:t>08.12.2021</a:t>
             </a:fld>
             <a:endParaRPr lang="ru-RU"/>
           </a:p>
@@ -9059,7 +9058,7 @@
           <a:noFill/>
           <a:extLst>
             <a:ext uri="{909E8E84-426E-40dd-AFC4-6F175D3DCCD1}">
-              <a14:hiddenFill xmlns="" xmlns:a14="http://schemas.microsoft.com/office/drawing/2010/main">
+              <a14:hiddenFill xmlns:a14="http://schemas.microsoft.com/office/drawing/2010/main" xmlns="">
                 <a:solidFill>
                   <a:srgbClr val="FFFFFF"/>
                 </a:solidFill>
@@ -9133,7 +9132,7 @@
               </a:ln>
               <a:extLst>
                 <a:ext uri="{91240B29-F687-4f45-9708-019B960494DF}">
-                  <a14:hiddenLine xmlns="" xmlns:a14="http://schemas.microsoft.com/office/drawing/2010/main" w="9525">
+                  <a14:hiddenLine xmlns:a14="http://schemas.microsoft.com/office/drawing/2010/main" xmlns="" w="9525">
                     <a:solidFill>
                       <a:srgbClr val="000000"/>
                     </a:solidFill>
@@ -9223,7 +9222,7 @@
               </a:ln>
               <a:extLst>
                 <a:ext uri="{91240B29-F687-4f45-9708-019B960494DF}">
-                  <a14:hiddenLine xmlns="" xmlns:a14="http://schemas.microsoft.com/office/drawing/2010/main" w="9525">
+                  <a14:hiddenLine xmlns:a14="http://schemas.microsoft.com/office/drawing/2010/main" xmlns="" w="9525">
                     <a:solidFill>
                       <a:srgbClr val="000000"/>
                     </a:solidFill>
@@ -9313,7 +9312,7 @@
               </a:ln>
               <a:extLst>
                 <a:ext uri="{91240B29-F687-4f45-9708-019B960494DF}">
-                  <a14:hiddenLine xmlns="" xmlns:a14="http://schemas.microsoft.com/office/drawing/2010/main" w="9525">
+                  <a14:hiddenLine xmlns:a14="http://schemas.microsoft.com/office/drawing/2010/main" xmlns="" w="9525">
                     <a:solidFill>
                       <a:srgbClr val="000000"/>
                     </a:solidFill>
@@ -9375,7 +9374,7 @@
               </a:ln>
               <a:extLst>
                 <a:ext uri="{91240B29-F687-4f45-9708-019B960494DF}">
-                  <a14:hiddenLine xmlns="" xmlns:a14="http://schemas.microsoft.com/office/drawing/2010/main" w="9525">
+                  <a14:hiddenLine xmlns:a14="http://schemas.microsoft.com/office/drawing/2010/main" xmlns="" w="9525">
                     <a:solidFill>
                       <a:srgbClr val="000000"/>
                     </a:solidFill>
@@ -9465,7 +9464,7 @@
               </a:ln>
               <a:extLst>
                 <a:ext uri="{91240B29-F687-4f45-9708-019B960494DF}">
-                  <a14:hiddenLine xmlns="" xmlns:a14="http://schemas.microsoft.com/office/drawing/2010/main" w="9525">
+                  <a14:hiddenLine xmlns:a14="http://schemas.microsoft.com/office/drawing/2010/main" xmlns="" w="9525">
                     <a:solidFill>
                       <a:srgbClr val="000000"/>
                     </a:solidFill>
@@ -9527,7 +9526,7 @@
               </a:ln>
               <a:extLst>
                 <a:ext uri="{91240B29-F687-4f45-9708-019B960494DF}">
-                  <a14:hiddenLine xmlns="" xmlns:a14="http://schemas.microsoft.com/office/drawing/2010/main" w="9525">
+                  <a14:hiddenLine xmlns:a14="http://schemas.microsoft.com/office/drawing/2010/main" xmlns="" w="9525">
                     <a:solidFill>
                       <a:srgbClr val="000000"/>
                     </a:solidFill>
@@ -9589,7 +9588,7 @@
               </a:ln>
               <a:extLst>
                 <a:ext uri="{91240B29-F687-4f45-9708-019B960494DF}">
-                  <a14:hiddenLine xmlns="" xmlns:a14="http://schemas.microsoft.com/office/drawing/2010/main" w="9525">
+                  <a14:hiddenLine xmlns:a14="http://schemas.microsoft.com/office/drawing/2010/main" xmlns="" w="9525">
                     <a:solidFill>
                       <a:srgbClr val="000000"/>
                     </a:solidFill>
@@ -9679,7 +9678,7 @@
               </a:ln>
               <a:extLst>
                 <a:ext uri="{91240B29-F687-4f45-9708-019B960494DF}">
-                  <a14:hiddenLine xmlns="" xmlns:a14="http://schemas.microsoft.com/office/drawing/2010/main" w="9525">
+                  <a14:hiddenLine xmlns:a14="http://schemas.microsoft.com/office/drawing/2010/main" xmlns="" w="9525">
                     <a:solidFill>
                       <a:srgbClr val="000000"/>
                     </a:solidFill>
@@ -9769,7 +9768,7 @@
               </a:ln>
               <a:extLst>
                 <a:ext uri="{91240B29-F687-4f45-9708-019B960494DF}">
-                  <a14:hiddenLine xmlns="" xmlns:a14="http://schemas.microsoft.com/office/drawing/2010/main" w="9525">
+                  <a14:hiddenLine xmlns:a14="http://schemas.microsoft.com/office/drawing/2010/main" xmlns="" w="9525">
                     <a:solidFill>
                       <a:srgbClr val="000000"/>
                     </a:solidFill>
@@ -9831,7 +9830,7 @@
               </a:ln>
               <a:extLst>
                 <a:ext uri="{91240B29-F687-4f45-9708-019B960494DF}">
-                  <a14:hiddenLine xmlns="" xmlns:a14="http://schemas.microsoft.com/office/drawing/2010/main" w="9525">
+                  <a14:hiddenLine xmlns:a14="http://schemas.microsoft.com/office/drawing/2010/main" xmlns="" w="9525">
                     <a:solidFill>
                       <a:srgbClr val="000000"/>
                     </a:solidFill>
@@ -9941,7 +9940,7 @@
               </a:ln>
               <a:extLst>
                 <a:ext uri="{91240B29-F687-4f45-9708-019B960494DF}">
-                  <a14:hiddenLine xmlns="" xmlns:a14="http://schemas.microsoft.com/office/drawing/2010/main" w="9525">
+                  <a14:hiddenLine xmlns:a14="http://schemas.microsoft.com/office/drawing/2010/main" xmlns="" w="9525">
                     <a:solidFill>
                       <a:srgbClr val="000000"/>
                     </a:solidFill>
@@ -10025,7 +10024,7 @@
               </a:ln>
               <a:extLst>
                 <a:ext uri="{91240B29-F687-4f45-9708-019B960494DF}">
-                  <a14:hiddenLine xmlns="" xmlns:a14="http://schemas.microsoft.com/office/drawing/2010/main" w="9525">
+                  <a14:hiddenLine xmlns:a14="http://schemas.microsoft.com/office/drawing/2010/main" xmlns="" w="9525">
                     <a:solidFill>
                       <a:srgbClr val="000000"/>
                     </a:solidFill>
@@ -10087,7 +10086,7 @@
               </a:ln>
               <a:extLst>
                 <a:ext uri="{91240B29-F687-4f45-9708-019B960494DF}">
-                  <a14:hiddenLine xmlns="" xmlns:a14="http://schemas.microsoft.com/office/drawing/2010/main" w="9525">
+                  <a14:hiddenLine xmlns:a14="http://schemas.microsoft.com/office/drawing/2010/main" xmlns="" w="9525">
                     <a:solidFill>
                       <a:srgbClr val="000000"/>
                     </a:solidFill>
@@ -10149,7 +10148,7 @@
               </a:ln>
               <a:extLst>
                 <a:ext uri="{91240B29-F687-4f45-9708-019B960494DF}">
-                  <a14:hiddenLine xmlns="" xmlns:a14="http://schemas.microsoft.com/office/drawing/2010/main" w="9525">
+                  <a14:hiddenLine xmlns:a14="http://schemas.microsoft.com/office/drawing/2010/main" xmlns="" w="9525">
                     <a:solidFill>
                       <a:srgbClr val="000000"/>
                     </a:solidFill>
@@ -10239,7 +10238,7 @@
               </a:ln>
               <a:extLst>
                 <a:ext uri="{91240B29-F687-4f45-9708-019B960494DF}">
-                  <a14:hiddenLine xmlns="" xmlns:a14="http://schemas.microsoft.com/office/drawing/2010/main" w="9525">
+                  <a14:hiddenLine xmlns:a14="http://schemas.microsoft.com/office/drawing/2010/main" xmlns="" w="9525">
                     <a:solidFill>
                       <a:srgbClr val="000000"/>
                     </a:solidFill>
@@ -10273,7 +10272,7 @@
               </a:ln>
               <a:extLst>
                 <a:ext uri="{91240B29-F687-4f45-9708-019B960494DF}">
-                  <a14:hiddenLine xmlns="" xmlns:a14="http://schemas.microsoft.com/office/drawing/2010/main" w="9525">
+                  <a14:hiddenLine xmlns:a14="http://schemas.microsoft.com/office/drawing/2010/main" xmlns="" w="9525">
                     <a:solidFill>
                       <a:srgbClr val="000000"/>
                     </a:solidFill>
@@ -10338,7 +10337,7 @@
               </a:ln>
               <a:extLst>
                 <a:ext uri="{91240B29-F687-4f45-9708-019B960494DF}">
-                  <a14:hiddenLine xmlns="" xmlns:a14="http://schemas.microsoft.com/office/drawing/2010/main" w="9525">
+                  <a14:hiddenLine xmlns:a14="http://schemas.microsoft.com/office/drawing/2010/main" xmlns="" w="9525">
                     <a:solidFill>
                       <a:srgbClr val="000000"/>
                     </a:solidFill>
@@ -10428,7 +10427,7 @@
               </a:ln>
               <a:extLst>
                 <a:ext uri="{91240B29-F687-4f45-9708-019B960494DF}">
-                  <a14:hiddenLine xmlns="" xmlns:a14="http://schemas.microsoft.com/office/drawing/2010/main" w="9525">
+                  <a14:hiddenLine xmlns:a14="http://schemas.microsoft.com/office/drawing/2010/main" xmlns="" w="9525">
                     <a:solidFill>
                       <a:srgbClr val="000000"/>
                     </a:solidFill>
@@ -10490,7 +10489,7 @@
               </a:ln>
               <a:extLst>
                 <a:ext uri="{91240B29-F687-4f45-9708-019B960494DF}">
-                  <a14:hiddenLine xmlns="" xmlns:a14="http://schemas.microsoft.com/office/drawing/2010/main" w="9525">
+                  <a14:hiddenLine xmlns:a14="http://schemas.microsoft.com/office/drawing/2010/main" xmlns="" w="9525">
                     <a:solidFill>
                       <a:srgbClr val="000000"/>
                     </a:solidFill>
@@ -10580,7 +10579,7 @@
               </a:ln>
               <a:extLst>
                 <a:ext uri="{91240B29-F687-4f45-9708-019B960494DF}">
-                  <a14:hiddenLine xmlns="" xmlns:a14="http://schemas.microsoft.com/office/drawing/2010/main" w="9525">
+                  <a14:hiddenLine xmlns:a14="http://schemas.microsoft.com/office/drawing/2010/main" xmlns="" w="9525">
                     <a:solidFill>
                       <a:srgbClr val="000000"/>
                     </a:solidFill>
@@ -10645,7 +10644,7 @@
               </a:ln>
               <a:extLst>
                 <a:ext uri="{91240B29-F687-4f45-9708-019B960494DF}">
-                  <a14:hiddenLine xmlns="" xmlns:a14="http://schemas.microsoft.com/office/drawing/2010/main" w="9525">
+                  <a14:hiddenLine xmlns:a14="http://schemas.microsoft.com/office/drawing/2010/main" xmlns="" w="9525">
                     <a:solidFill>
                       <a:srgbClr val="000000"/>
                     </a:solidFill>
@@ -10707,7 +10706,7 @@
               </a:ln>
               <a:extLst>
                 <a:ext uri="{91240B29-F687-4f45-9708-019B960494DF}">
-                  <a14:hiddenLine xmlns="" xmlns:a14="http://schemas.microsoft.com/office/drawing/2010/main" w="9525">
+                  <a14:hiddenLine xmlns:a14="http://schemas.microsoft.com/office/drawing/2010/main" xmlns="" w="9525">
                     <a:solidFill>
                       <a:srgbClr val="000000"/>
                     </a:solidFill>
@@ -10797,7 +10796,7 @@
               </a:ln>
               <a:extLst>
                 <a:ext uri="{91240B29-F687-4f45-9708-019B960494DF}">
-                  <a14:hiddenLine xmlns="" xmlns:a14="http://schemas.microsoft.com/office/drawing/2010/main" w="9525">
+                  <a14:hiddenLine xmlns:a14="http://schemas.microsoft.com/office/drawing/2010/main" xmlns="" w="9525">
                     <a:solidFill>
                       <a:srgbClr val="000000"/>
                     </a:solidFill>
@@ -10887,7 +10886,7 @@
               </a:ln>
               <a:extLst>
                 <a:ext uri="{91240B29-F687-4f45-9708-019B960494DF}">
-                  <a14:hiddenLine xmlns="" xmlns:a14="http://schemas.microsoft.com/office/drawing/2010/main" w="9525">
+                  <a14:hiddenLine xmlns:a14="http://schemas.microsoft.com/office/drawing/2010/main" xmlns="" w="9525">
                     <a:solidFill>
                       <a:srgbClr val="000000"/>
                     </a:solidFill>
@@ -10952,7 +10951,7 @@
               </a:ln>
               <a:extLst>
                 <a:ext uri="{91240B29-F687-4f45-9708-019B960494DF}">
-                  <a14:hiddenLine xmlns="" xmlns:a14="http://schemas.microsoft.com/office/drawing/2010/main" w="9525">
+                  <a14:hiddenLine xmlns:a14="http://schemas.microsoft.com/office/drawing/2010/main" xmlns="" w="9525">
                     <a:solidFill>
                       <a:srgbClr val="000000"/>
                     </a:solidFill>
@@ -11072,7 +11071,7 @@
               </a:ln>
               <a:extLst>
                 <a:ext uri="{91240B29-F687-4f45-9708-019B960494DF}">
-                  <a14:hiddenLine xmlns="" xmlns:a14="http://schemas.microsoft.com/office/drawing/2010/main" w="9525">
+                  <a14:hiddenLine xmlns:a14="http://schemas.microsoft.com/office/drawing/2010/main" xmlns="" w="9525">
                     <a:solidFill>
                       <a:srgbClr val="000000"/>
                     </a:solidFill>
@@ -11170,7 +11169,7 @@
               </a:ln>
               <a:extLst>
                 <a:ext uri="{91240B29-F687-4f45-9708-019B960494DF}">
-                  <a14:hiddenLine xmlns="" xmlns:a14="http://schemas.microsoft.com/office/drawing/2010/main" w="9525">
+                  <a14:hiddenLine xmlns:a14="http://schemas.microsoft.com/office/drawing/2010/main" xmlns="" w="9525">
                     <a:solidFill>
                       <a:srgbClr val="000000"/>
                     </a:solidFill>
@@ -11285,7 +11284,7 @@
               </a:ln>
               <a:extLst>
                 <a:ext uri="{91240B29-F687-4f45-9708-019B960494DF}">
-                  <a14:hiddenLine xmlns="" xmlns:a14="http://schemas.microsoft.com/office/drawing/2010/main" w="9525">
+                  <a14:hiddenLine xmlns:a14="http://schemas.microsoft.com/office/drawing/2010/main" xmlns="" w="9525">
                     <a:solidFill>
                       <a:srgbClr val="000000"/>
                     </a:solidFill>
@@ -11375,7 +11374,7 @@
               </a:ln>
               <a:extLst>
                 <a:ext uri="{91240B29-F687-4f45-9708-019B960494DF}">
-                  <a14:hiddenLine xmlns="" xmlns:a14="http://schemas.microsoft.com/office/drawing/2010/main" w="9525">
+                  <a14:hiddenLine xmlns:a14="http://schemas.microsoft.com/office/drawing/2010/main" xmlns="" w="9525">
                     <a:solidFill>
                       <a:srgbClr val="000000"/>
                     </a:solidFill>
@@ -11440,7 +11439,7 @@
               </a:ln>
               <a:extLst>
                 <a:ext uri="{91240B29-F687-4f45-9708-019B960494DF}">
-                  <a14:hiddenLine xmlns="" xmlns:a14="http://schemas.microsoft.com/office/drawing/2010/main" w="9525">
+                  <a14:hiddenLine xmlns:a14="http://schemas.microsoft.com/office/drawing/2010/main" xmlns="" w="9525">
                     <a:solidFill>
                       <a:srgbClr val="000000"/>
                     </a:solidFill>
@@ -11530,7 +11529,7 @@
               </a:ln>
               <a:extLst>
                 <a:ext uri="{91240B29-F687-4f45-9708-019B960494DF}">
-                  <a14:hiddenLine xmlns="" xmlns:a14="http://schemas.microsoft.com/office/drawing/2010/main" w="9525">
+                  <a14:hiddenLine xmlns:a14="http://schemas.microsoft.com/office/drawing/2010/main" xmlns="" w="9525">
                     <a:solidFill>
                       <a:srgbClr val="000000"/>
                     </a:solidFill>
@@ -11598,7 +11597,7 @@
               </a:ln>
               <a:extLst>
                 <a:ext uri="{91240B29-F687-4f45-9708-019B960494DF}">
-                  <a14:hiddenLine xmlns="" xmlns:a14="http://schemas.microsoft.com/office/drawing/2010/main" w="9525">
+                  <a14:hiddenLine xmlns:a14="http://schemas.microsoft.com/office/drawing/2010/main" xmlns="" w="9525">
                     <a:solidFill>
                       <a:srgbClr val="000000"/>
                     </a:solidFill>
@@ -11688,7 +11687,7 @@
               </a:ln>
               <a:extLst>
                 <a:ext uri="{91240B29-F687-4f45-9708-019B960494DF}">
-                  <a14:hiddenLine xmlns="" xmlns:a14="http://schemas.microsoft.com/office/drawing/2010/main" w="9525">
+                  <a14:hiddenLine xmlns:a14="http://schemas.microsoft.com/office/drawing/2010/main" xmlns="" w="9525">
                     <a:solidFill>
                       <a:srgbClr val="000000"/>
                     </a:solidFill>
@@ -11756,7 +11755,7 @@
               </a:ln>
               <a:extLst>
                 <a:ext uri="{91240B29-F687-4f45-9708-019B960494DF}">
-                  <a14:hiddenLine xmlns="" xmlns:a14="http://schemas.microsoft.com/office/drawing/2010/main" w="9525">
+                  <a14:hiddenLine xmlns:a14="http://schemas.microsoft.com/office/drawing/2010/main" xmlns="" w="9525">
                     <a:solidFill>
                       <a:srgbClr val="000000"/>
                     </a:solidFill>
@@ -11846,7 +11845,7 @@
               </a:ln>
               <a:extLst>
                 <a:ext uri="{91240B29-F687-4f45-9708-019B960494DF}">
-                  <a14:hiddenLine xmlns="" xmlns:a14="http://schemas.microsoft.com/office/drawing/2010/main" w="9525">
+                  <a14:hiddenLine xmlns:a14="http://schemas.microsoft.com/office/drawing/2010/main" xmlns="" w="9525">
                     <a:solidFill>
                       <a:srgbClr val="000000"/>
                     </a:solidFill>
@@ -11880,7 +11879,7 @@
               </a:ln>
               <a:extLst>
                 <a:ext uri="{91240B29-F687-4f45-9708-019B960494DF}">
-                  <a14:hiddenLine xmlns="" xmlns:a14="http://schemas.microsoft.com/office/drawing/2010/main" w="9525">
+                  <a14:hiddenLine xmlns:a14="http://schemas.microsoft.com/office/drawing/2010/main" xmlns="" w="9525">
                     <a:solidFill>
                       <a:srgbClr val="000000"/>
                     </a:solidFill>
@@ -12020,7 +12019,7 @@
           <a:p>
             <a:fld id="{DCF77135-D09A-4C0F-B580-543073810E9D}" type="datetimeFigureOut">
               <a:rPr lang="ru-RU" smtClean="0"/>
-              <a:t>07.12.2021</a:t>
+              <a:t>08.12.2021</a:t>
             </a:fld>
             <a:endParaRPr lang="ru-RU"/>
           </a:p>
@@ -12440,30 +12439,6 @@
           <a:chExt cx="0" cy="0"/>
         </a:xfrm>
       </p:grpSpPr>
-      <p:pic>
-        <p:nvPicPr>
-          <p:cNvPr id="4" name="Рисунок 3"/>
-          <p:cNvPicPr>
-            <a:picLocks noChangeAspect="1"/>
-          </p:cNvPicPr>
-          <p:nvPr/>
-        </p:nvPicPr>
-        <p:blipFill>
-          <a:blip r:embed="rId2"/>
-          <a:stretch>
-            <a:fillRect/>
-          </a:stretch>
-        </p:blipFill>
-        <p:spPr>
-          <a:xfrm>
-            <a:off x="-56511" y="0"/>
-            <a:ext cx="12334388" cy="6858000"/>
-          </a:xfrm>
-          <a:prstGeom prst="rect">
-            <a:avLst/>
-          </a:prstGeom>
-        </p:spPr>
-      </p:pic>
       <p:sp>
         <p:nvSpPr>
           <p:cNvPr id="2" name="Заголовок 1"/>
@@ -12476,7 +12451,7 @@
         </p:nvSpPr>
         <p:spPr>
           <a:xfrm>
-            <a:off x="0" y="2406218"/>
+            <a:off x="1006763" y="466581"/>
             <a:ext cx="9014691" cy="2276619"/>
           </a:xfrm>
         </p:spPr>
@@ -12486,14 +12461,6 @@
           </a:bodyPr>
           <a:lstStyle/>
           <a:p>
-            <a:r>
-              <a:rPr lang="ru-RU" sz="2800" dirty="0" err="1" smtClean="0"/>
-              <a:t>Гостр</a:t>
-            </a:r>
-            <a:r>
-              <a:rPr lang="uk-UA" sz="2800" dirty="0" smtClean="0"/>
-              <a:t>і </a:t>
-            </a:r>
             <a:r>
               <a:rPr lang="uk-UA" sz="2800" dirty="0" err="1" smtClean="0"/>
               <a:t>паттерни</a:t>
@@ -12529,20 +12496,28 @@
           <a:lstStyle/>
           <a:p>
             <a:r>
+              <a:rPr lang="ru-RU" dirty="0" err="1" smtClean="0">
+                <a:solidFill>
+                  <a:schemeClr val="bg1"/>
+                </a:solidFill>
+              </a:rPr>
+              <a:t>Компанець</a:t>
+            </a:r>
+            <a:r>
               <a:rPr lang="ru-RU" dirty="0" smtClean="0">
                 <a:solidFill>
                   <a:schemeClr val="bg1"/>
                 </a:solidFill>
               </a:rPr>
-              <a:t>Томас </a:t>
-            </a:r>
-            <a:r>
-              <a:rPr lang="ru-RU" dirty="0" err="1" smtClean="0">
+              <a:t> </a:t>
+            </a:r>
+            <a:r>
+              <a:rPr lang="uk-UA" dirty="0" smtClean="0">
                 <a:solidFill>
                   <a:schemeClr val="bg1"/>
                 </a:solidFill>
               </a:rPr>
-              <a:t>Шелбі</a:t>
+              <a:t>Ілля</a:t>
             </a:r>
             <a:r>
               <a:rPr lang="ru-RU" dirty="0" smtClean="0">
@@ -12814,47 +12789,6 @@
       </p:sp>
       <p:pic>
         <p:nvPicPr>
-          <p:cNvPr id="1026" name="Picture 2" descr="Мем: &amp;quot;Как же ты слаб&amp;quot; - Все шаблоны - Meme-arsenal.com"/>
-          <p:cNvPicPr>
-            <a:picLocks noChangeAspect="1" noChangeArrowheads="1"/>
-          </p:cNvPicPr>
-          <p:nvPr/>
-        </p:nvPicPr>
-        <p:blipFill>
-          <a:blip r:embed="rId2">
-            <a:extLst>
-              <a:ext uri="{28A0092B-C50C-407E-A947-70E740481C1C}">
-                <a14:useLocalDpi xmlns:a14="http://schemas.microsoft.com/office/drawing/2010/main" val="0"/>
-              </a:ext>
-            </a:extLst>
-          </a:blip>
-          <a:srcRect/>
-          <a:stretch>
-            <a:fillRect/>
-          </a:stretch>
-        </p:blipFill>
-        <p:spPr bwMode="auto">
-          <a:xfrm>
-            <a:off x="407121" y="3880139"/>
-            <a:ext cx="4762500" cy="2867025"/>
-          </a:xfrm>
-          <a:prstGeom prst="rect">
-            <a:avLst/>
-          </a:prstGeom>
-          <a:noFill/>
-          <a:extLst>
-            <a:ext uri="{909E8E84-426E-40DD-AFC4-6F175D3DCCD1}">
-              <a14:hiddenFill xmlns:a14="http://schemas.microsoft.com/office/drawing/2010/main">
-                <a:solidFill>
-                  <a:srgbClr val="FFFFFF"/>
-                </a:solidFill>
-              </a14:hiddenFill>
-            </a:ext>
-          </a:extLst>
-        </p:spPr>
-      </p:pic>
-      <p:pic>
-        <p:nvPicPr>
           <p:cNvPr id="6" name="Рисунок 5"/>
           <p:cNvPicPr>
             <a:picLocks noChangeAspect="1"/>
@@ -12862,7 +12796,7 @@
           <p:nvPr/>
         </p:nvPicPr>
         <p:blipFill>
-          <a:blip r:embed="rId3"/>
+          <a:blip r:embed="rId2"/>
           <a:stretch>
             <a:fillRect/>
           </a:stretch>
@@ -13060,36 +12994,6 @@
           </a:prstGeom>
         </p:spPr>
       </p:pic>
-      <p:pic>
-        <p:nvPicPr>
-          <p:cNvPr id="7" name="Рисунок 6"/>
-          <p:cNvPicPr>
-            <a:picLocks noChangeAspect="1"/>
-          </p:cNvPicPr>
-          <p:nvPr/>
-        </p:nvPicPr>
-        <p:blipFill>
-          <a:blip r:embed="rId3">
-            <a:extLst>
-              <a:ext uri="{28A0092B-C50C-407E-A947-70E740481C1C}">
-                <a14:useLocalDpi xmlns:a14="http://schemas.microsoft.com/office/drawing/2010/main" val="0"/>
-              </a:ext>
-            </a:extLst>
-          </a:blip>
-          <a:stretch>
-            <a:fillRect/>
-          </a:stretch>
-        </p:blipFill>
-        <p:spPr>
-          <a:xfrm>
-            <a:off x="1295401" y="213847"/>
-            <a:ext cx="2494252" cy="2343085"/>
-          </a:xfrm>
-          <a:prstGeom prst="rect">
-            <a:avLst/>
-          </a:prstGeom>
-        </p:spPr>
-      </p:pic>
     </p:spTree>
     <p:extLst>
       <p:ext uri="{BB962C8B-B14F-4D97-AF65-F5344CB8AC3E}">
@@ -13347,36 +13251,6 @@
           </a:prstGeom>
         </p:spPr>
       </p:pic>
-      <p:pic>
-        <p:nvPicPr>
-          <p:cNvPr id="6" name="Рисунок 5"/>
-          <p:cNvPicPr>
-            <a:picLocks noChangeAspect="1"/>
-          </p:cNvPicPr>
-          <p:nvPr/>
-        </p:nvPicPr>
-        <p:blipFill>
-          <a:blip r:embed="rId4">
-            <a:extLst>
-              <a:ext uri="{28A0092B-C50C-407E-A947-70E740481C1C}">
-                <a14:useLocalDpi xmlns:a14="http://schemas.microsoft.com/office/drawing/2010/main" val="0"/>
-              </a:ext>
-            </a:extLst>
-          </a:blip>
-          <a:stretch>
-            <a:fillRect/>
-          </a:stretch>
-        </p:blipFill>
-        <p:spPr>
-          <a:xfrm>
-            <a:off x="8942725" y="3134794"/>
-            <a:ext cx="2896434" cy="3209562"/>
-          </a:xfrm>
-          <a:prstGeom prst="rect">
-            <a:avLst/>
-          </a:prstGeom>
-        </p:spPr>
-      </p:pic>
     </p:spTree>
     <p:extLst>
       <p:ext uri="{BB962C8B-B14F-4D97-AF65-F5344CB8AC3E}">
@@ -13394,110 +13268,6 @@
       </p:par>
     </p:tnLst>
   </p:timing>
-</p:sld>
-</file>
-
-<file path=ppt/slides/slide5.xml><?xml version="1.0" encoding="utf-8"?>
-<p:sld xmlns:a="http://schemas.openxmlformats.org/drawingml/2006/main" xmlns:r="http://schemas.openxmlformats.org/officeDocument/2006/relationships" xmlns:p="http://schemas.openxmlformats.org/presentationml/2006/main">
-  <p:cSld>
-    <p:spTree>
-      <p:nvGrpSpPr>
-        <p:cNvPr id="1" name=""/>
-        <p:cNvGrpSpPr/>
-        <p:nvPr/>
-      </p:nvGrpSpPr>
-      <p:grpSpPr>
-        <a:xfrm>
-          <a:off x="0" y="0"/>
-          <a:ext cx="0" cy="0"/>
-          <a:chOff x="0" y="0"/>
-          <a:chExt cx="0" cy="0"/>
-        </a:xfrm>
-      </p:grpSpPr>
-      <p:sp>
-        <p:nvSpPr>
-          <p:cNvPr id="2" name="Заголовок 1"/>
-          <p:cNvSpPr>
-            <a:spLocks noGrp="1"/>
-          </p:cNvSpPr>
-          <p:nvPr>
-            <p:ph type="title"/>
-          </p:nvPr>
-        </p:nvSpPr>
-        <p:spPr>
-          <a:xfrm>
-            <a:off x="2489922" y="415318"/>
-            <a:ext cx="9905998" cy="1478570"/>
-          </a:xfrm>
-        </p:spPr>
-        <p:txBody>
-          <a:bodyPr/>
-          <a:lstStyle/>
-          <a:p>
-            <a:r>
-              <a:rPr lang="ru-RU" dirty="0" err="1" smtClean="0"/>
-              <a:t>дякую</a:t>
-            </a:r>
-            <a:r>
-              <a:rPr lang="ru-RU" dirty="0" smtClean="0"/>
-              <a:t> </a:t>
-            </a:r>
-            <a:r>
-              <a:rPr lang="ru-RU" dirty="0" smtClean="0"/>
-              <a:t>ЗА </a:t>
-            </a:r>
-            <a:r>
-              <a:rPr lang="ru-RU" dirty="0" err="1" smtClean="0"/>
-              <a:t>жабаскрипт</a:t>
-            </a:r>
-            <a:r>
-              <a:rPr lang="ru-RU" dirty="0" smtClean="0"/>
-              <a:t>!!!!!</a:t>
-            </a:r>
-            <a:endParaRPr lang="ru-RU" dirty="0"/>
-          </a:p>
-        </p:txBody>
-      </p:sp>
-      <p:pic>
-        <p:nvPicPr>
-          <p:cNvPr id="4" name="Рисунок 3"/>
-          <p:cNvPicPr>
-            <a:picLocks noChangeAspect="1"/>
-          </p:cNvPicPr>
-          <p:nvPr/>
-        </p:nvPicPr>
-        <p:blipFill>
-          <a:blip r:embed="rId2">
-            <a:extLst>
-              <a:ext uri="{28A0092B-C50C-407E-A947-70E740481C1C}">
-                <a14:useLocalDpi xmlns:a14="http://schemas.microsoft.com/office/drawing/2010/main" val="0"/>
-              </a:ext>
-            </a:extLst>
-          </a:blip>
-          <a:stretch>
-            <a:fillRect/>
-          </a:stretch>
-        </p:blipFill>
-        <p:spPr>
-          <a:xfrm>
-            <a:off x="3380955" y="1700415"/>
-            <a:ext cx="4848645" cy="4259442"/>
-          </a:xfrm>
-          <a:prstGeom prst="rect">
-            <a:avLst/>
-          </a:prstGeom>
-        </p:spPr>
-      </p:pic>
-    </p:spTree>
-    <p:extLst>
-      <p:ext uri="{BB962C8B-B14F-4D97-AF65-F5344CB8AC3E}">
-        <p14:creationId xmlns:p14="http://schemas.microsoft.com/office/powerpoint/2010/main" val="1422414101"/>
-      </p:ext>
-    </p:extLst>
-  </p:cSld>
-  <p:clrMapOvr>
-    <a:masterClrMapping/>
-  </p:clrMapOvr>
 </p:sld>
 </file>
 
